--- a/Joshua Brunt - 2.4 Practice Task Portfolio [Autosaved].pptx
+++ b/Joshua Brunt - 2.4 Practice Task Portfolio [Autosaved].pptx
@@ -5,52 +5,53 @@
     <p:sldMasterId id="2147483648" r:id="rId1"/>
   </p:sldMasterIdLst>
   <p:notesMasterIdLst>
-    <p:notesMasterId r:id="rId28"/>
+    <p:notesMasterId r:id="rId29"/>
   </p:notesMasterIdLst>
   <p:sldIdLst>
     <p:sldId id="256" r:id="rId2"/>
-    <p:sldId id="257" r:id="rId3"/>
-    <p:sldId id="258" r:id="rId4"/>
-    <p:sldId id="259" r:id="rId5"/>
-    <p:sldId id="260" r:id="rId6"/>
-    <p:sldId id="261" r:id="rId7"/>
-    <p:sldId id="262" r:id="rId8"/>
-    <p:sldId id="263" r:id="rId9"/>
-    <p:sldId id="264" r:id="rId10"/>
-    <p:sldId id="265" r:id="rId11"/>
-    <p:sldId id="266" r:id="rId12"/>
-    <p:sldId id="267" r:id="rId13"/>
-    <p:sldId id="268" r:id="rId14"/>
-    <p:sldId id="269" r:id="rId15"/>
-    <p:sldId id="270" r:id="rId16"/>
-    <p:sldId id="271" r:id="rId17"/>
-    <p:sldId id="272" r:id="rId18"/>
-    <p:sldId id="273" r:id="rId19"/>
-    <p:sldId id="274" r:id="rId20"/>
-    <p:sldId id="275" r:id="rId21"/>
-    <p:sldId id="276" r:id="rId22"/>
-    <p:sldId id="277" r:id="rId23"/>
-    <p:sldId id="278" r:id="rId24"/>
-    <p:sldId id="279" r:id="rId25"/>
-    <p:sldId id="280" r:id="rId26"/>
-    <p:sldId id="281" r:id="rId27"/>
+    <p:sldId id="282" r:id="rId3"/>
+    <p:sldId id="257" r:id="rId4"/>
+    <p:sldId id="258" r:id="rId5"/>
+    <p:sldId id="259" r:id="rId6"/>
+    <p:sldId id="260" r:id="rId7"/>
+    <p:sldId id="261" r:id="rId8"/>
+    <p:sldId id="262" r:id="rId9"/>
+    <p:sldId id="263" r:id="rId10"/>
+    <p:sldId id="264" r:id="rId11"/>
+    <p:sldId id="265" r:id="rId12"/>
+    <p:sldId id="266" r:id="rId13"/>
+    <p:sldId id="267" r:id="rId14"/>
+    <p:sldId id="268" r:id="rId15"/>
+    <p:sldId id="269" r:id="rId16"/>
+    <p:sldId id="270" r:id="rId17"/>
+    <p:sldId id="271" r:id="rId18"/>
+    <p:sldId id="272" r:id="rId19"/>
+    <p:sldId id="273" r:id="rId20"/>
+    <p:sldId id="274" r:id="rId21"/>
+    <p:sldId id="275" r:id="rId22"/>
+    <p:sldId id="276" r:id="rId23"/>
+    <p:sldId id="277" r:id="rId24"/>
+    <p:sldId id="278" r:id="rId25"/>
+    <p:sldId id="279" r:id="rId26"/>
+    <p:sldId id="280" r:id="rId27"/>
+    <p:sldId id="281" r:id="rId28"/>
   </p:sldIdLst>
   <p:sldSz cx="12192000" cy="6858000"/>
   <p:notesSz cx="6858000" cy="9144000"/>
   <p:embeddedFontLst>
     <p:embeddedFont>
       <p:font typeface="Calibri" panose="020F0502020204030204" pitchFamily="34" charset="0"/>
-      <p:regular r:id="rId29"/>
-      <p:bold r:id="rId30"/>
-      <p:italic r:id="rId31"/>
-      <p:boldItalic r:id="rId32"/>
+      <p:regular r:id="rId30"/>
+      <p:bold r:id="rId31"/>
+      <p:italic r:id="rId32"/>
+      <p:boldItalic r:id="rId33"/>
     </p:embeddedFont>
     <p:embeddedFont>
       <p:font typeface="Corbel" panose="020B0503020204020204" pitchFamily="34" charset="0"/>
-      <p:regular r:id="rId33"/>
-      <p:bold r:id="rId34"/>
-      <p:italic r:id="rId35"/>
-      <p:boldItalic r:id="rId36"/>
+      <p:regular r:id="rId34"/>
+      <p:bold r:id="rId35"/>
+      <p:italic r:id="rId36"/>
+      <p:boldItalic r:id="rId37"/>
     </p:embeddedFont>
   </p:embeddedFontLst>
   <p:defaultTextStyle>
@@ -287,7 +288,7 @@
       <p15:sldGuideLst xmlns:p15="http://schemas.microsoft.com/office/powerpoint/2012/main"/>
     </p:ext>
     <p:ext uri="http://customooxmlschemas.google.com/">
-      <go:slidesCustomData xmlns="" xmlns:mc="http://schemas.openxmlformats.org/markup-compatibility/2006" xmlns:mv="urn:schemas-microsoft-com:mac:vml" xmlns:c="http://schemas.openxmlformats.org/drawingml/2006/chart" xmlns:dgm="http://schemas.openxmlformats.org/drawingml/2006/diagram" xmlns:o="urn:schemas-microsoft-com:office:office" xmlns:v="urn:schemas-microsoft-com:vml" xmlns:pvml="urn:schemas-microsoft-com:office:powerpoint" xmlns:com="http://schemas.openxmlformats.org/drawingml/2006/compatibility" xmlns:p14="http://schemas.microsoft.com/office/powerpoint/2010/main" xmlns:p15="http://schemas.microsoft.com/office/powerpoint/2012/main" xmlns:go="http://customooxmlschemas.google.com/" r:id="rId37" roundtripDataSignature="AMtx7mge2Yi/T7KYkTb24e1cFIiRj7JYqg=="/>
+      <go:slidesCustomData xmlns:go="http://customooxmlschemas.google.com/" xmlns:p15="http://schemas.microsoft.com/office/powerpoint/2012/main" xmlns:p14="http://schemas.microsoft.com/office/powerpoint/2010/main" xmlns:com="http://schemas.openxmlformats.org/drawingml/2006/compatibility" xmlns:pvml="urn:schemas-microsoft-com:office:powerpoint" xmlns:v="urn:schemas-microsoft-com:vml" xmlns:o="urn:schemas-microsoft-com:office:office" xmlns:dgm="http://schemas.openxmlformats.org/drawingml/2006/diagram" xmlns:c="http://schemas.openxmlformats.org/drawingml/2006/chart" xmlns:mv="urn:schemas-microsoft-com:mac:vml" xmlns:mc="http://schemas.openxmlformats.org/markup-compatibility/2006" xmlns="" r:id="rId38" roundtripDataSignature="AMtx7mge2Yi/T7KYkTb24e1cFIiRj7JYqg=="/>
     </p:ext>
   </p:extLst>
 </p:presentation>
@@ -1844,7 +1845,7 @@
             </a:pPr>
             <a:fld id="{00000000-1234-1234-1234-123412341234}" type="slidenum">
               <a:rPr lang="en-NZ"/>
-              <a:t>11</a:t>
+              <a:t>12</a:t>
             </a:fld>
             <a:endParaRPr/>
           </a:p>
@@ -2084,7 +2085,7 @@
             </a:pPr>
             <a:fld id="{00000000-1234-1234-1234-123412341234}" type="slidenum">
               <a:rPr lang="en-NZ"/>
-              <a:t>12</a:t>
+              <a:t>13</a:t>
             </a:fld>
             <a:endParaRPr/>
           </a:p>
@@ -2382,7 +2383,7 @@
             </a:pPr>
             <a:fld id="{00000000-1234-1234-1234-123412341234}" type="slidenum">
               <a:rPr lang="en-NZ"/>
-              <a:t>14</a:t>
+              <a:t>15</a:t>
             </a:fld>
             <a:endParaRPr/>
           </a:p>
@@ -2571,7 +2572,7 @@
             </a:pPr>
             <a:fld id="{00000000-1234-1234-1234-123412341234}" type="slidenum">
               <a:rPr lang="en-NZ"/>
-              <a:t>15</a:t>
+              <a:t>16</a:t>
             </a:fld>
             <a:endParaRPr/>
           </a:p>
@@ -2843,7 +2844,7 @@
             </a:pPr>
             <a:fld id="{00000000-1234-1234-1234-123412341234}" type="slidenum">
               <a:rPr lang="en-NZ"/>
-              <a:t>17</a:t>
+              <a:t>18</a:t>
             </a:fld>
             <a:endParaRPr/>
           </a:p>
@@ -3011,7 +3012,7 @@
             </a:pPr>
             <a:fld id="{00000000-1234-1234-1234-123412341234}" type="slidenum">
               <a:rPr lang="en-NZ"/>
-              <a:t>18</a:t>
+              <a:t>19</a:t>
             </a:fld>
             <a:endParaRPr/>
           </a:p>
@@ -3179,7 +3180,7 @@
             </a:pPr>
             <a:fld id="{00000000-1234-1234-1234-123412341234}" type="slidenum">
               <a:rPr lang="en-NZ"/>
-              <a:t>19</a:t>
+              <a:t>20</a:t>
             </a:fld>
             <a:endParaRPr/>
           </a:p>
@@ -3347,7 +3348,7 @@
             </a:pPr>
             <a:fld id="{00000000-1234-1234-1234-123412341234}" type="slidenum">
               <a:rPr lang="en-NZ"/>
-              <a:t>2</a:t>
+              <a:t>3</a:t>
             </a:fld>
             <a:endParaRPr/>
           </a:p>
@@ -3575,7 +3576,7 @@
             </a:pPr>
             <a:fld id="{00000000-1234-1234-1234-123412341234}" type="slidenum">
               <a:rPr lang="en-NZ"/>
-              <a:t>20</a:t>
+              <a:t>21</a:t>
             </a:fld>
             <a:endParaRPr/>
           </a:p>
@@ -3743,7 +3744,7 @@
             </a:pPr>
             <a:fld id="{00000000-1234-1234-1234-123412341234}" type="slidenum">
               <a:rPr lang="en-NZ"/>
-              <a:t>21</a:t>
+              <a:t>22</a:t>
             </a:fld>
             <a:endParaRPr/>
           </a:p>
@@ -3911,7 +3912,7 @@
             </a:pPr>
             <a:fld id="{00000000-1234-1234-1234-123412341234}" type="slidenum">
               <a:rPr lang="en-NZ"/>
-              <a:t>22</a:t>
+              <a:t>23</a:t>
             </a:fld>
             <a:endParaRPr/>
           </a:p>
@@ -4269,7 +4270,7 @@
             </a:pPr>
             <a:fld id="{00000000-1234-1234-1234-123412341234}" type="slidenum">
               <a:rPr lang="en-NZ"/>
-              <a:t>25</a:t>
+              <a:t>26</a:t>
             </a:fld>
             <a:endParaRPr/>
           </a:p>
@@ -4541,7 +4542,7 @@
             </a:pPr>
             <a:fld id="{00000000-1234-1234-1234-123412341234}" type="slidenum">
               <a:rPr lang="en-NZ"/>
-              <a:t>3</a:t>
+              <a:t>4</a:t>
             </a:fld>
             <a:endParaRPr/>
           </a:p>
@@ -4709,7 +4710,7 @@
             </a:pPr>
             <a:fld id="{00000000-1234-1234-1234-123412341234}" type="slidenum">
               <a:rPr lang="en-NZ"/>
-              <a:t>4</a:t>
+              <a:t>5</a:t>
             </a:fld>
             <a:endParaRPr/>
           </a:p>
@@ -5002,7 +5003,7 @@
             </a:pPr>
             <a:fld id="{00000000-1234-1234-1234-123412341234}" type="slidenum">
               <a:rPr lang="en-NZ"/>
-              <a:t>6</a:t>
+              <a:t>7</a:t>
             </a:fld>
             <a:endParaRPr/>
           </a:p>
@@ -5360,7 +5361,7 @@
             </a:pPr>
             <a:fld id="{00000000-1234-1234-1234-123412341234}" type="slidenum">
               <a:rPr lang="en-NZ"/>
-              <a:t>9</a:t>
+              <a:t>10</a:t>
             </a:fld>
             <a:endParaRPr/>
           </a:p>
@@ -15955,6 +15956,111 @@
   <p:cSld>
     <p:spTree>
       <p:nvGrpSpPr>
+        <p:cNvPr id="1" name="Shape 162"/>
+        <p:cNvGrpSpPr/>
+        <p:nvPr/>
+      </p:nvGrpSpPr>
+      <p:grpSpPr>
+        <a:xfrm>
+          <a:off x="0" y="0"/>
+          <a:ext cx="0" cy="0"/>
+          <a:chOff x="0" y="0"/>
+          <a:chExt cx="0" cy="0"/>
+        </a:xfrm>
+      </p:grpSpPr>
+      <p:sp>
+        <p:nvSpPr>
+          <p:cNvPr id="163" name="Google Shape;163;g76d2aa36c9_0_0"/>
+          <p:cNvSpPr txBox="1">
+            <a:spLocks noGrp="1"/>
+          </p:cNvSpPr>
+          <p:nvPr>
+            <p:ph type="title"/>
+          </p:nvPr>
+        </p:nvSpPr>
+        <p:spPr>
+          <a:xfrm>
+            <a:off x="252919" y="1123837"/>
+            <a:ext cx="2947500" cy="4601100"/>
+          </a:xfrm>
+          <a:prstGeom prst="rect">
+            <a:avLst/>
+          </a:prstGeom>
+        </p:spPr>
+        <p:txBody>
+          <a:bodyPr spcFirstLastPara="1" wrap="square" lIns="91425" tIns="45700" rIns="91425" bIns="45700" anchor="ctr" anchorCtr="0">
+            <a:noAutofit/>
+          </a:bodyPr>
+          <a:lstStyle/>
+          <a:p>
+            <a:pPr marL="0" lvl="0" indent="0" algn="l" rtl="0">
+              <a:spcBef>
+                <a:spcPts val="0"/>
+              </a:spcBef>
+              <a:spcAft>
+                <a:spcPts val="0"/>
+              </a:spcAft>
+              <a:buNone/>
+            </a:pPr>
+            <a:endParaRPr/>
+          </a:p>
+        </p:txBody>
+      </p:sp>
+      <p:sp>
+        <p:nvSpPr>
+          <p:cNvPr id="164" name="Google Shape;164;g76d2aa36c9_0_0"/>
+          <p:cNvSpPr txBox="1">
+            <a:spLocks noGrp="1"/>
+          </p:cNvSpPr>
+          <p:nvPr>
+            <p:ph type="body" idx="1"/>
+          </p:nvPr>
+        </p:nvSpPr>
+        <p:spPr>
+          <a:xfrm>
+            <a:off x="3869268" y="864108"/>
+            <a:ext cx="7315200" cy="5120700"/>
+          </a:xfrm>
+          <a:prstGeom prst="rect">
+            <a:avLst/>
+          </a:prstGeom>
+        </p:spPr>
+        <p:txBody>
+          <a:bodyPr spcFirstLastPara="1" wrap="square" lIns="91425" tIns="45700" rIns="91425" bIns="45700" anchor="ctr" anchorCtr="0">
+            <a:noAutofit/>
+          </a:bodyPr>
+          <a:lstStyle/>
+          <a:p>
+            <a:pPr marL="0" lvl="0" indent="0" algn="l" rtl="0">
+              <a:spcBef>
+                <a:spcPts val="1200"/>
+              </a:spcBef>
+              <a:spcAft>
+                <a:spcPts val="0"/>
+              </a:spcAft>
+              <a:buNone/>
+            </a:pPr>
+            <a:r>
+              <a:rPr lang="en-NZ"/>
+              <a:t>The site will have lots of whitespace to be modern. This will ensure that the </a:t>
+            </a:r>
+            <a:endParaRPr/>
+          </a:p>
+        </p:txBody>
+      </p:sp>
+    </p:spTree>
+  </p:cSld>
+  <p:clrMapOvr>
+    <a:masterClrMapping/>
+  </p:clrMapOvr>
+</p:sld>
+</file>
+
+<file path=ppt/slides/slide11.xml><?xml version="1.0" encoding="utf-8"?>
+<p:sld xmlns:a="http://schemas.openxmlformats.org/drawingml/2006/main" xmlns:r="http://schemas.openxmlformats.org/officeDocument/2006/relationships" xmlns:p="http://schemas.openxmlformats.org/presentationml/2006/main">
+  <p:cSld>
+    <p:spTree>
+      <p:nvGrpSpPr>
         <p:cNvPr id="1" name="Shape 168"/>
         <p:cNvGrpSpPr/>
         <p:nvPr/>
@@ -16339,7 +16445,7 @@
 </p:sld>
 </file>
 
-<file path=ppt/slides/slide11.xml><?xml version="1.0" encoding="utf-8"?>
+<file path=ppt/slides/slide12.xml><?xml version="1.0" encoding="utf-8"?>
 <p:sld xmlns:a="http://schemas.openxmlformats.org/drawingml/2006/main" xmlns:r="http://schemas.openxmlformats.org/officeDocument/2006/relationships" xmlns:p="http://schemas.openxmlformats.org/presentationml/2006/main">
   <p:cSld>
     <p:spTree>
@@ -16491,7 +16597,7 @@
 </p:sld>
 </file>
 
-<file path=ppt/slides/slide12.xml><?xml version="1.0" encoding="utf-8"?>
+<file path=ppt/slides/slide13.xml><?xml version="1.0" encoding="utf-8"?>
 <p:sld xmlns:a="http://schemas.openxmlformats.org/drawingml/2006/main" xmlns:r="http://schemas.openxmlformats.org/officeDocument/2006/relationships" xmlns:p="http://schemas.openxmlformats.org/presentationml/2006/main">
   <p:cSld>
     <p:spTree>
@@ -16616,7 +16722,7 @@
 </p:sld>
 </file>
 
-<file path=ppt/slides/slide13.xml><?xml version="1.0" encoding="utf-8"?>
+<file path=ppt/slides/slide14.xml><?xml version="1.0" encoding="utf-8"?>
 <p:sld xmlns:a="http://schemas.openxmlformats.org/drawingml/2006/main" xmlns:r="http://schemas.openxmlformats.org/officeDocument/2006/relationships" xmlns:p="http://schemas.openxmlformats.org/presentationml/2006/main">
   <p:cSld>
     <p:spTree>
@@ -16741,7 +16847,7 @@
 </p:sld>
 </file>
 
-<file path=ppt/slides/slide14.xml><?xml version="1.0" encoding="utf-8"?>
+<file path=ppt/slides/slide15.xml><?xml version="1.0" encoding="utf-8"?>
 <p:sld xmlns:a="http://schemas.openxmlformats.org/drawingml/2006/main" xmlns:r="http://schemas.openxmlformats.org/officeDocument/2006/relationships" xmlns:p="http://schemas.openxmlformats.org/presentationml/2006/main">
   <p:cSld>
     <p:spTree>
@@ -16866,7 +16972,7 @@
 </p:sld>
 </file>
 
-<file path=ppt/slides/slide15.xml><?xml version="1.0" encoding="utf-8"?>
+<file path=ppt/slides/slide16.xml><?xml version="1.0" encoding="utf-8"?>
 <p:sld xmlns:a="http://schemas.openxmlformats.org/drawingml/2006/main" xmlns:r="http://schemas.openxmlformats.org/officeDocument/2006/relationships" xmlns:p="http://schemas.openxmlformats.org/presentationml/2006/main">
   <p:cSld>
     <p:bg>
@@ -17208,7 +17314,7 @@
 </p:sld>
 </file>
 
-<file path=ppt/slides/slide16.xml><?xml version="1.0" encoding="utf-8"?>
+<file path=ppt/slides/slide17.xml><?xml version="1.0" encoding="utf-8"?>
 <p:sld xmlns:a="http://schemas.openxmlformats.org/drawingml/2006/main" xmlns:r="http://schemas.openxmlformats.org/officeDocument/2006/relationships" xmlns:p="http://schemas.openxmlformats.org/presentationml/2006/main">
   <p:cSld>
     <p:spTree>
@@ -17333,7 +17439,7 @@
 </p:sld>
 </file>
 
-<file path=ppt/slides/slide17.xml><?xml version="1.0" encoding="utf-8"?>
+<file path=ppt/slides/slide18.xml><?xml version="1.0" encoding="utf-8"?>
 <p:sld xmlns:a="http://schemas.openxmlformats.org/drawingml/2006/main" xmlns:r="http://schemas.openxmlformats.org/officeDocument/2006/relationships" xmlns:p="http://schemas.openxmlformats.org/presentationml/2006/main">
   <p:cSld>
     <p:spTree>
@@ -17458,7 +17564,7 @@
 </p:sld>
 </file>
 
-<file path=ppt/slides/slide18.xml><?xml version="1.0" encoding="utf-8"?>
+<file path=ppt/slides/slide19.xml><?xml version="1.0" encoding="utf-8"?>
 <p:sld xmlns:a="http://schemas.openxmlformats.org/drawingml/2006/main" xmlns:r="http://schemas.openxmlformats.org/officeDocument/2006/relationships" xmlns:p="http://schemas.openxmlformats.org/presentationml/2006/main">
   <p:cSld>
     <p:spTree>
@@ -17590,7 +17696,136 @@
 </p:sld>
 </file>
 
-<file path=ppt/slides/slide19.xml><?xml version="1.0" encoding="utf-8"?>
+<file path=ppt/slides/slide2.xml><?xml version="1.0" encoding="utf-8"?>
+<p:sld xmlns:a="http://schemas.openxmlformats.org/drawingml/2006/main" xmlns:r="http://schemas.openxmlformats.org/officeDocument/2006/relationships" xmlns:p="http://schemas.openxmlformats.org/presentationml/2006/main">
+  <p:cSld>
+    <p:spTree>
+      <p:nvGrpSpPr>
+        <p:cNvPr id="1" name=""/>
+        <p:cNvGrpSpPr/>
+        <p:nvPr/>
+      </p:nvGrpSpPr>
+      <p:grpSpPr>
+        <a:xfrm>
+          <a:off x="0" y="0"/>
+          <a:ext cx="0" cy="0"/>
+          <a:chOff x="0" y="0"/>
+          <a:chExt cx="0" cy="0"/>
+        </a:xfrm>
+      </p:grpSpPr>
+      <p:sp>
+        <p:nvSpPr>
+          <p:cNvPr id="2" name="Title 1">
+            <a:extLst>
+              <a:ext uri="{FF2B5EF4-FFF2-40B4-BE49-F238E27FC236}">
+                <a16:creationId xmlns:a16="http://schemas.microsoft.com/office/drawing/2014/main" id="{1970C3CE-D818-431C-9770-640E7D300965}"/>
+              </a:ext>
+            </a:extLst>
+          </p:cNvPr>
+          <p:cNvSpPr>
+            <a:spLocks noGrp="1"/>
+          </p:cNvSpPr>
+          <p:nvPr>
+            <p:ph type="title"/>
+          </p:nvPr>
+        </p:nvSpPr>
+        <p:spPr/>
+        <p:txBody>
+          <a:bodyPr/>
+          <a:lstStyle/>
+          <a:p>
+            <a:endParaRPr lang="en-NZ"/>
+          </a:p>
+        </p:txBody>
+      </p:sp>
+      <p:sp>
+        <p:nvSpPr>
+          <p:cNvPr id="3" name="Text Placeholder 2">
+            <a:extLst>
+              <a:ext uri="{FF2B5EF4-FFF2-40B4-BE49-F238E27FC236}">
+                <a16:creationId xmlns:a16="http://schemas.microsoft.com/office/drawing/2014/main" id="{A196E941-572C-4E93-A675-D8D6CA9AC644}"/>
+              </a:ext>
+            </a:extLst>
+          </p:cNvPr>
+          <p:cNvSpPr>
+            <a:spLocks noGrp="1"/>
+          </p:cNvSpPr>
+          <p:nvPr>
+            <p:ph type="body" idx="1"/>
+          </p:nvPr>
+        </p:nvSpPr>
+        <p:spPr/>
+        <p:txBody>
+          <a:bodyPr/>
+          <a:lstStyle/>
+          <a:p>
+            <a:r>
+              <a:rPr lang="en-NZ" dirty="0"/>
+              <a:t>Feedback</a:t>
+            </a:r>
+          </a:p>
+          <a:p>
+            <a:r>
+              <a:rPr lang="en-NZ" dirty="0"/>
+              <a:t>Nav bar is pretty hard to read and a little small, the purple doesn’t match with the other colours, the image slider is too wide</a:t>
+            </a:r>
+          </a:p>
+          <a:p>
+            <a:r>
+              <a:rPr lang="en-NZ" dirty="0"/>
+              <a:t>The photo is quite messy and that you can’t really see the image. Change the colour so it is easier to read</a:t>
+            </a:r>
+            <a:br>
+              <a:rPr lang="en-NZ" dirty="0"/>
+            </a:br>
+            <a:endParaRPr lang="en-NZ" dirty="0"/>
+          </a:p>
+        </p:txBody>
+      </p:sp>
+      <p:pic>
+        <p:nvPicPr>
+          <p:cNvPr id="4" name="Picture 3">
+            <a:extLst>
+              <a:ext uri="{FF2B5EF4-FFF2-40B4-BE49-F238E27FC236}">
+                <a16:creationId xmlns:a16="http://schemas.microsoft.com/office/drawing/2014/main" id="{A44119C3-0ED6-4AF7-8498-4FD9A1491C10}"/>
+              </a:ext>
+            </a:extLst>
+          </p:cNvPr>
+          <p:cNvPicPr>
+            <a:picLocks noChangeAspect="1"/>
+          </p:cNvPicPr>
+          <p:nvPr/>
+        </p:nvPicPr>
+        <p:blipFill>
+          <a:blip r:embed="rId2"/>
+          <a:stretch>
+            <a:fillRect/>
+          </a:stretch>
+        </p:blipFill>
+        <p:spPr>
+          <a:xfrm>
+            <a:off x="252919" y="2072080"/>
+            <a:ext cx="3154261" cy="1774272"/>
+          </a:xfrm>
+          <a:prstGeom prst="rect">
+            <a:avLst/>
+          </a:prstGeom>
+        </p:spPr>
+      </p:pic>
+    </p:spTree>
+    <p:extLst>
+      <p:ext uri="{BB962C8B-B14F-4D97-AF65-F5344CB8AC3E}">
+        <p14:creationId xmlns:p14="http://schemas.microsoft.com/office/powerpoint/2010/main" val="1544604916"/>
+      </p:ext>
+    </p:extLst>
+  </p:cSld>
+  <p:clrMapOvr>
+    <a:masterClrMapping/>
+  </p:clrMapOvr>
+</p:sld>
+</file>
+
+<file path=ppt/slides/slide20.xml><?xml version="1.0" encoding="utf-8"?>
 <p:sld xmlns:a="http://schemas.openxmlformats.org/drawingml/2006/main" xmlns:r="http://schemas.openxmlformats.org/officeDocument/2006/relationships" xmlns:p="http://schemas.openxmlformats.org/presentationml/2006/main">
   <p:cSld>
     <p:spTree>
@@ -17722,382 +17957,7 @@
 </p:sld>
 </file>
 
-<file path=ppt/slides/slide2.xml><?xml version="1.0" encoding="utf-8"?>
-<p:sld xmlns:a="http://schemas.openxmlformats.org/drawingml/2006/main" xmlns:r="http://schemas.openxmlformats.org/officeDocument/2006/relationships" xmlns:p="http://schemas.openxmlformats.org/presentationml/2006/main">
-  <p:cSld>
-    <p:bg>
-      <p:bgPr>
-        <a:solidFill>
-          <a:schemeClr val="lt1"/>
-        </a:solidFill>
-        <a:effectLst/>
-      </p:bgPr>
-    </p:bg>
-    <p:spTree>
-      <p:nvGrpSpPr>
-        <p:cNvPr id="1" name="Shape 101"/>
-        <p:cNvGrpSpPr/>
-        <p:nvPr/>
-      </p:nvGrpSpPr>
-      <p:grpSpPr>
-        <a:xfrm>
-          <a:off x="0" y="0"/>
-          <a:ext cx="0" cy="0"/>
-          <a:chOff x="0" y="0"/>
-          <a:chExt cx="0" cy="0"/>
-        </a:xfrm>
-      </p:grpSpPr>
-      <p:sp>
-        <p:nvSpPr>
-          <p:cNvPr id="102" name="Google Shape;102;p2"/>
-          <p:cNvSpPr/>
-          <p:nvPr/>
-        </p:nvSpPr>
-        <p:spPr>
-          <a:xfrm>
-            <a:off x="0" y="0"/>
-            <a:ext cx="12192000" cy="6858000"/>
-          </a:xfrm>
-          <a:prstGeom prst="rect">
-            <a:avLst/>
-          </a:prstGeom>
-          <a:solidFill>
-            <a:schemeClr val="lt1"/>
-          </a:solidFill>
-          <a:ln>
-            <a:noFill/>
-          </a:ln>
-        </p:spPr>
-        <p:txBody>
-          <a:bodyPr spcFirstLastPara="1" wrap="square" lIns="91425" tIns="45700" rIns="91425" bIns="45700" anchor="ctr" anchorCtr="0">
-            <a:noAutofit/>
-          </a:bodyPr>
-          <a:lstStyle/>
-          <a:p>
-            <a:pPr marL="0" marR="0" lvl="0" indent="0" algn="ctr" rtl="0">
-              <a:spcBef>
-                <a:spcPts val="0"/>
-              </a:spcBef>
-              <a:spcAft>
-                <a:spcPts val="0"/>
-              </a:spcAft>
-              <a:buNone/>
-            </a:pPr>
-            <a:endParaRPr sz="1800" b="0" i="0" u="none" strike="noStrike" cap="none">
-              <a:solidFill>
-                <a:schemeClr val="lt1"/>
-              </a:solidFill>
-              <a:latin typeface="Corbel"/>
-              <a:ea typeface="Corbel"/>
-              <a:cs typeface="Corbel"/>
-              <a:sym typeface="Corbel"/>
-            </a:endParaRPr>
-          </a:p>
-        </p:txBody>
-      </p:sp>
-      <p:sp>
-        <p:nvSpPr>
-          <p:cNvPr id="103" name="Google Shape;103;p2"/>
-          <p:cNvSpPr/>
-          <p:nvPr/>
-        </p:nvSpPr>
-        <p:spPr>
-          <a:xfrm>
-            <a:off x="1" y="758952"/>
-            <a:ext cx="10905976" cy="1651133"/>
-          </a:xfrm>
-          <a:prstGeom prst="rect">
-            <a:avLst/>
-          </a:prstGeom>
-          <a:solidFill>
-            <a:schemeClr val="accent1"/>
-          </a:solidFill>
-          <a:ln>
-            <a:noFill/>
-          </a:ln>
-        </p:spPr>
-        <p:txBody>
-          <a:bodyPr spcFirstLastPara="1" wrap="square" lIns="91425" tIns="45700" rIns="91425" bIns="45700" anchor="t" anchorCtr="0">
-            <a:noAutofit/>
-          </a:bodyPr>
-          <a:lstStyle/>
-          <a:p>
-            <a:pPr marL="0" marR="0" lvl="0" indent="0" algn="l" rtl="0">
-              <a:spcBef>
-                <a:spcPts val="0"/>
-              </a:spcBef>
-              <a:spcAft>
-                <a:spcPts val="0"/>
-              </a:spcAft>
-              <a:buNone/>
-            </a:pPr>
-            <a:endParaRPr sz="1800">
-              <a:solidFill>
-                <a:schemeClr val="lt1"/>
-              </a:solidFill>
-              <a:latin typeface="Corbel"/>
-              <a:ea typeface="Corbel"/>
-              <a:cs typeface="Corbel"/>
-              <a:sym typeface="Corbel"/>
-            </a:endParaRPr>
-          </a:p>
-        </p:txBody>
-      </p:sp>
-      <p:sp>
-        <p:nvSpPr>
-          <p:cNvPr id="104" name="Google Shape;104;p2"/>
-          <p:cNvSpPr txBox="1">
-            <a:spLocks noGrp="1"/>
-          </p:cNvSpPr>
-          <p:nvPr>
-            <p:ph type="title"/>
-          </p:nvPr>
-        </p:nvSpPr>
-        <p:spPr>
-          <a:xfrm>
-            <a:off x="1600754" y="1087374"/>
-            <a:ext cx="8983489" cy="1000978"/>
-          </a:xfrm>
-          <a:prstGeom prst="rect">
-            <a:avLst/>
-          </a:prstGeom>
-          <a:noFill/>
-          <a:ln>
-            <a:noFill/>
-          </a:ln>
-        </p:spPr>
-        <p:txBody>
-          <a:bodyPr spcFirstLastPara="1" wrap="square" lIns="91425" tIns="45700" rIns="91425" bIns="45700" anchor="ctr" anchorCtr="0">
-            <a:normAutofit/>
-          </a:bodyPr>
-          <a:lstStyle/>
-          <a:p>
-            <a:pPr marL="0" lvl="0" indent="0" algn="l" rtl="0">
-              <a:lnSpc>
-                <a:spcPct val="90000"/>
-              </a:lnSpc>
-              <a:spcBef>
-                <a:spcPts val="0"/>
-              </a:spcBef>
-              <a:spcAft>
-                <a:spcPts val="0"/>
-              </a:spcAft>
-              <a:buClr>
-                <a:srgbClr val="FFFFFF"/>
-              </a:buClr>
-              <a:buSzPts val="3600"/>
-              <a:buFont typeface="Corbel"/>
-              <a:buNone/>
-            </a:pPr>
-            <a:r>
-              <a:rPr lang="en-NZ" b="1"/>
-              <a:t>Relevant Implication</a:t>
-            </a:r>
-            <a:endParaRPr/>
-          </a:p>
-        </p:txBody>
-      </p:sp>
-      <p:sp>
-        <p:nvSpPr>
-          <p:cNvPr id="105" name="Google Shape;105;p2"/>
-          <p:cNvSpPr/>
-          <p:nvPr/>
-        </p:nvSpPr>
-        <p:spPr>
-          <a:xfrm>
-            <a:off x="11014533" y="758952"/>
-            <a:ext cx="1185379" cy="1651133"/>
-          </a:xfrm>
-          <a:prstGeom prst="rect">
-            <a:avLst/>
-          </a:prstGeom>
-          <a:solidFill>
-            <a:srgbClr val="C8C8C8">
-              <a:alpha val="49803"/>
-            </a:srgbClr>
-          </a:solidFill>
-          <a:ln>
-            <a:noFill/>
-          </a:ln>
-        </p:spPr>
-        <p:txBody>
-          <a:bodyPr spcFirstLastPara="1" wrap="square" lIns="91425" tIns="91425" rIns="91425" bIns="91425" anchor="ctr" anchorCtr="0">
-            <a:noAutofit/>
-          </a:bodyPr>
-          <a:lstStyle/>
-          <a:p>
-            <a:pPr marL="0" lvl="0" indent="0" algn="l" rtl="0">
-              <a:spcBef>
-                <a:spcPts val="0"/>
-              </a:spcBef>
-              <a:spcAft>
-                <a:spcPts val="0"/>
-              </a:spcAft>
-              <a:buNone/>
-            </a:pPr>
-            <a:endParaRPr/>
-          </a:p>
-        </p:txBody>
-      </p:sp>
-      <p:sp>
-        <p:nvSpPr>
-          <p:cNvPr id="106" name="Google Shape;106;p2"/>
-          <p:cNvSpPr/>
-          <p:nvPr/>
-        </p:nvSpPr>
-        <p:spPr>
-          <a:xfrm>
-            <a:off x="763" y="2526526"/>
-            <a:ext cx="1169701" cy="3563378"/>
-          </a:xfrm>
-          <a:prstGeom prst="rect">
-            <a:avLst/>
-          </a:prstGeom>
-          <a:solidFill>
-            <a:srgbClr val="C8C8C8">
-              <a:alpha val="49803"/>
-            </a:srgbClr>
-          </a:solidFill>
-          <a:ln>
-            <a:noFill/>
-          </a:ln>
-        </p:spPr>
-        <p:txBody>
-          <a:bodyPr spcFirstLastPara="1" wrap="square" lIns="91425" tIns="91425" rIns="91425" bIns="91425" anchor="ctr" anchorCtr="0">
-            <a:noAutofit/>
-          </a:bodyPr>
-          <a:lstStyle/>
-          <a:p>
-            <a:pPr marL="0" lvl="0" indent="0" algn="l" rtl="0">
-              <a:spcBef>
-                <a:spcPts val="0"/>
-              </a:spcBef>
-              <a:spcAft>
-                <a:spcPts val="0"/>
-              </a:spcAft>
-              <a:buNone/>
-            </a:pPr>
-            <a:endParaRPr/>
-          </a:p>
-        </p:txBody>
-      </p:sp>
-      <p:sp>
-        <p:nvSpPr>
-          <p:cNvPr id="107" name="Google Shape;107;p2"/>
-          <p:cNvSpPr/>
-          <p:nvPr/>
-        </p:nvSpPr>
-        <p:spPr>
-          <a:xfrm>
-            <a:off x="1279019" y="2526526"/>
-            <a:ext cx="10920893" cy="3563377"/>
-          </a:xfrm>
-          <a:prstGeom prst="rect">
-            <a:avLst/>
-          </a:prstGeom>
-          <a:solidFill>
-            <a:srgbClr val="FCF4DD">
-              <a:alpha val="60000"/>
-            </a:srgbClr>
-          </a:solidFill>
-          <a:ln>
-            <a:noFill/>
-          </a:ln>
-        </p:spPr>
-        <p:txBody>
-          <a:bodyPr spcFirstLastPara="1" wrap="square" lIns="91425" tIns="45700" rIns="91425" bIns="45700" anchor="t" anchorCtr="0">
-            <a:noAutofit/>
-          </a:bodyPr>
-          <a:lstStyle/>
-          <a:p>
-            <a:pPr marL="0" marR="0" lvl="0" indent="0" algn="l" rtl="0">
-              <a:spcBef>
-                <a:spcPts val="0"/>
-              </a:spcBef>
-              <a:spcAft>
-                <a:spcPts val="0"/>
-              </a:spcAft>
-              <a:buNone/>
-            </a:pPr>
-            <a:endParaRPr sz="1800">
-              <a:solidFill>
-                <a:schemeClr val="lt1"/>
-              </a:solidFill>
-              <a:latin typeface="Corbel"/>
-              <a:ea typeface="Corbel"/>
-              <a:cs typeface="Corbel"/>
-              <a:sym typeface="Corbel"/>
-            </a:endParaRPr>
-          </a:p>
-        </p:txBody>
-      </p:sp>
-      <p:sp>
-        <p:nvSpPr>
-          <p:cNvPr id="108" name="Google Shape;108;p2"/>
-          <p:cNvSpPr txBox="1">
-            <a:spLocks noGrp="1"/>
-          </p:cNvSpPr>
-          <p:nvPr>
-            <p:ph type="body" idx="1"/>
-          </p:nvPr>
-        </p:nvSpPr>
-        <p:spPr>
-          <a:xfrm>
-            <a:off x="1600753" y="2535446"/>
-            <a:ext cx="8983489" cy="3554457"/>
-          </a:xfrm>
-          <a:prstGeom prst="rect">
-            <a:avLst/>
-          </a:prstGeom>
-          <a:noFill/>
-          <a:ln>
-            <a:noFill/>
-          </a:ln>
-        </p:spPr>
-        <p:txBody>
-          <a:bodyPr spcFirstLastPara="1" wrap="square" lIns="91425" tIns="45700" rIns="91425" bIns="45700" anchor="ctr" anchorCtr="0">
-            <a:normAutofit/>
-          </a:bodyPr>
-          <a:lstStyle/>
-          <a:p>
-            <a:pPr marL="182880" lvl="0" indent="-55879" algn="l" rtl="0">
-              <a:lnSpc>
-                <a:spcPct val="90000"/>
-              </a:lnSpc>
-              <a:spcBef>
-                <a:spcPts val="0"/>
-              </a:spcBef>
-              <a:spcAft>
-                <a:spcPts val="0"/>
-              </a:spcAft>
-              <a:buSzPts val="2000"/>
-              <a:buNone/>
-            </a:pPr>
-            <a:r>
-              <a:rPr lang="en-US" dirty="0">
-                <a:solidFill>
-                  <a:schemeClr val="dk1"/>
-                </a:solidFill>
-              </a:rPr>
-              <a:t>Aesthetics. My website will incorporate all the shiny flashy stuff that I can reasonably include and in a manner that does not distract the user from the object at hand, which is the glorification of the wonderful Waikato motor polo club.</a:t>
-            </a:r>
-            <a:endParaRPr dirty="0">
-              <a:solidFill>
-                <a:schemeClr val="dk1"/>
-              </a:solidFill>
-            </a:endParaRPr>
-          </a:p>
-        </p:txBody>
-      </p:sp>
-    </p:spTree>
-  </p:cSld>
-  <p:clrMapOvr>
-    <a:masterClrMapping/>
-  </p:clrMapOvr>
-</p:sld>
-</file>
-
-<file path=ppt/slides/slide20.xml><?xml version="1.0" encoding="utf-8"?>
+<file path=ppt/slides/slide21.xml><?xml version="1.0" encoding="utf-8"?>
 <p:sld xmlns:a="http://schemas.openxmlformats.org/drawingml/2006/main" xmlns:r="http://schemas.openxmlformats.org/officeDocument/2006/relationships" xmlns:p="http://schemas.openxmlformats.org/presentationml/2006/main">
   <p:cSld>
     <p:spTree>
@@ -18222,7 +18082,7 @@
 </p:sld>
 </file>
 
-<file path=ppt/slides/slide21.xml><?xml version="1.0" encoding="utf-8"?>
+<file path=ppt/slides/slide22.xml><?xml version="1.0" encoding="utf-8"?>
 <p:sld xmlns:a="http://schemas.openxmlformats.org/drawingml/2006/main" xmlns:r="http://schemas.openxmlformats.org/officeDocument/2006/relationships" xmlns:p="http://schemas.openxmlformats.org/presentationml/2006/main">
   <p:cSld>
     <p:spTree>
@@ -18347,7 +18207,7 @@
 </p:sld>
 </file>
 
-<file path=ppt/slides/slide22.xml><?xml version="1.0" encoding="utf-8"?>
+<file path=ppt/slides/slide23.xml><?xml version="1.0" encoding="utf-8"?>
 <p:sld xmlns:a="http://schemas.openxmlformats.org/drawingml/2006/main" xmlns:r="http://schemas.openxmlformats.org/officeDocument/2006/relationships" xmlns:p="http://schemas.openxmlformats.org/presentationml/2006/main">
   <p:cSld>
     <p:spTree>
@@ -18482,7 +18342,7 @@
 </p:sld>
 </file>
 
-<file path=ppt/slides/slide23.xml><?xml version="1.0" encoding="utf-8"?>
+<file path=ppt/slides/slide24.xml><?xml version="1.0" encoding="utf-8"?>
 <p:sld xmlns:a="http://schemas.openxmlformats.org/drawingml/2006/main" xmlns:r="http://schemas.openxmlformats.org/officeDocument/2006/relationships" xmlns:p="http://schemas.openxmlformats.org/presentationml/2006/main">
   <p:cSld>
     <p:spTree>
@@ -18607,7 +18467,7 @@
 </p:sld>
 </file>
 
-<file path=ppt/slides/slide24.xml><?xml version="1.0" encoding="utf-8"?>
+<file path=ppt/slides/slide25.xml><?xml version="1.0" encoding="utf-8"?>
 <p:sld xmlns:a="http://schemas.openxmlformats.org/drawingml/2006/main" xmlns:r="http://schemas.openxmlformats.org/officeDocument/2006/relationships" xmlns:p="http://schemas.openxmlformats.org/presentationml/2006/main">
   <p:cSld>
     <p:spTree>
@@ -18961,7 +18821,7 @@
 </p:sld>
 </file>
 
-<file path=ppt/slides/slide25.xml><?xml version="1.0" encoding="utf-8"?>
+<file path=ppt/slides/slide26.xml><?xml version="1.0" encoding="utf-8"?>
 <p:sld xmlns:a="http://schemas.openxmlformats.org/drawingml/2006/main" xmlns:r="http://schemas.openxmlformats.org/officeDocument/2006/relationships" xmlns:p="http://schemas.openxmlformats.org/presentationml/2006/main">
   <p:cSld>
     <p:spTree>
@@ -19062,7 +18922,7 @@
 </p:sld>
 </file>
 
-<file path=ppt/slides/slide26.xml><?xml version="1.0" encoding="utf-8"?>
+<file path=ppt/slides/slide27.xml><?xml version="1.0" encoding="utf-8"?>
 <p:sld xmlns:a="http://schemas.openxmlformats.org/drawingml/2006/main" xmlns:r="http://schemas.openxmlformats.org/officeDocument/2006/relationships" xmlns:p="http://schemas.openxmlformats.org/presentationml/2006/main">
   <p:cSld>
     <p:spTree>
@@ -19188,6 +19048,381 @@
 </file>
 
 <file path=ppt/slides/slide3.xml><?xml version="1.0" encoding="utf-8"?>
+<p:sld xmlns:a="http://schemas.openxmlformats.org/drawingml/2006/main" xmlns:r="http://schemas.openxmlformats.org/officeDocument/2006/relationships" xmlns:p="http://schemas.openxmlformats.org/presentationml/2006/main">
+  <p:cSld>
+    <p:bg>
+      <p:bgPr>
+        <a:solidFill>
+          <a:schemeClr val="lt1"/>
+        </a:solidFill>
+        <a:effectLst/>
+      </p:bgPr>
+    </p:bg>
+    <p:spTree>
+      <p:nvGrpSpPr>
+        <p:cNvPr id="1" name="Shape 101"/>
+        <p:cNvGrpSpPr/>
+        <p:nvPr/>
+      </p:nvGrpSpPr>
+      <p:grpSpPr>
+        <a:xfrm>
+          <a:off x="0" y="0"/>
+          <a:ext cx="0" cy="0"/>
+          <a:chOff x="0" y="0"/>
+          <a:chExt cx="0" cy="0"/>
+        </a:xfrm>
+      </p:grpSpPr>
+      <p:sp>
+        <p:nvSpPr>
+          <p:cNvPr id="102" name="Google Shape;102;p2"/>
+          <p:cNvSpPr/>
+          <p:nvPr/>
+        </p:nvSpPr>
+        <p:spPr>
+          <a:xfrm>
+            <a:off x="0" y="0"/>
+            <a:ext cx="12192000" cy="6858000"/>
+          </a:xfrm>
+          <a:prstGeom prst="rect">
+            <a:avLst/>
+          </a:prstGeom>
+          <a:solidFill>
+            <a:schemeClr val="lt1"/>
+          </a:solidFill>
+          <a:ln>
+            <a:noFill/>
+          </a:ln>
+        </p:spPr>
+        <p:txBody>
+          <a:bodyPr spcFirstLastPara="1" wrap="square" lIns="91425" tIns="45700" rIns="91425" bIns="45700" anchor="ctr" anchorCtr="0">
+            <a:noAutofit/>
+          </a:bodyPr>
+          <a:lstStyle/>
+          <a:p>
+            <a:pPr marL="0" marR="0" lvl="0" indent="0" algn="ctr" rtl="0">
+              <a:spcBef>
+                <a:spcPts val="0"/>
+              </a:spcBef>
+              <a:spcAft>
+                <a:spcPts val="0"/>
+              </a:spcAft>
+              <a:buNone/>
+            </a:pPr>
+            <a:endParaRPr sz="1800" b="0" i="0" u="none" strike="noStrike" cap="none">
+              <a:solidFill>
+                <a:schemeClr val="lt1"/>
+              </a:solidFill>
+              <a:latin typeface="Corbel"/>
+              <a:ea typeface="Corbel"/>
+              <a:cs typeface="Corbel"/>
+              <a:sym typeface="Corbel"/>
+            </a:endParaRPr>
+          </a:p>
+        </p:txBody>
+      </p:sp>
+      <p:sp>
+        <p:nvSpPr>
+          <p:cNvPr id="103" name="Google Shape;103;p2"/>
+          <p:cNvSpPr/>
+          <p:nvPr/>
+        </p:nvSpPr>
+        <p:spPr>
+          <a:xfrm>
+            <a:off x="1" y="758952"/>
+            <a:ext cx="10905976" cy="1651133"/>
+          </a:xfrm>
+          <a:prstGeom prst="rect">
+            <a:avLst/>
+          </a:prstGeom>
+          <a:solidFill>
+            <a:schemeClr val="accent1"/>
+          </a:solidFill>
+          <a:ln>
+            <a:noFill/>
+          </a:ln>
+        </p:spPr>
+        <p:txBody>
+          <a:bodyPr spcFirstLastPara="1" wrap="square" lIns="91425" tIns="45700" rIns="91425" bIns="45700" anchor="t" anchorCtr="0">
+            <a:noAutofit/>
+          </a:bodyPr>
+          <a:lstStyle/>
+          <a:p>
+            <a:pPr marL="0" marR="0" lvl="0" indent="0" algn="l" rtl="0">
+              <a:spcBef>
+                <a:spcPts val="0"/>
+              </a:spcBef>
+              <a:spcAft>
+                <a:spcPts val="0"/>
+              </a:spcAft>
+              <a:buNone/>
+            </a:pPr>
+            <a:endParaRPr sz="1800">
+              <a:solidFill>
+                <a:schemeClr val="lt1"/>
+              </a:solidFill>
+              <a:latin typeface="Corbel"/>
+              <a:ea typeface="Corbel"/>
+              <a:cs typeface="Corbel"/>
+              <a:sym typeface="Corbel"/>
+            </a:endParaRPr>
+          </a:p>
+        </p:txBody>
+      </p:sp>
+      <p:sp>
+        <p:nvSpPr>
+          <p:cNvPr id="104" name="Google Shape;104;p2"/>
+          <p:cNvSpPr txBox="1">
+            <a:spLocks noGrp="1"/>
+          </p:cNvSpPr>
+          <p:nvPr>
+            <p:ph type="title"/>
+          </p:nvPr>
+        </p:nvSpPr>
+        <p:spPr>
+          <a:xfrm>
+            <a:off x="1600754" y="1087374"/>
+            <a:ext cx="8983489" cy="1000978"/>
+          </a:xfrm>
+          <a:prstGeom prst="rect">
+            <a:avLst/>
+          </a:prstGeom>
+          <a:noFill/>
+          <a:ln>
+            <a:noFill/>
+          </a:ln>
+        </p:spPr>
+        <p:txBody>
+          <a:bodyPr spcFirstLastPara="1" wrap="square" lIns="91425" tIns="45700" rIns="91425" bIns="45700" anchor="ctr" anchorCtr="0">
+            <a:normAutofit/>
+          </a:bodyPr>
+          <a:lstStyle/>
+          <a:p>
+            <a:pPr marL="0" lvl="0" indent="0" algn="l" rtl="0">
+              <a:lnSpc>
+                <a:spcPct val="90000"/>
+              </a:lnSpc>
+              <a:spcBef>
+                <a:spcPts val="0"/>
+              </a:spcBef>
+              <a:spcAft>
+                <a:spcPts val="0"/>
+              </a:spcAft>
+              <a:buClr>
+                <a:srgbClr val="FFFFFF"/>
+              </a:buClr>
+              <a:buSzPts val="3600"/>
+              <a:buFont typeface="Corbel"/>
+              <a:buNone/>
+            </a:pPr>
+            <a:r>
+              <a:rPr lang="en-NZ" b="1"/>
+              <a:t>Relevant Implication</a:t>
+            </a:r>
+            <a:endParaRPr/>
+          </a:p>
+        </p:txBody>
+      </p:sp>
+      <p:sp>
+        <p:nvSpPr>
+          <p:cNvPr id="105" name="Google Shape;105;p2"/>
+          <p:cNvSpPr/>
+          <p:nvPr/>
+        </p:nvSpPr>
+        <p:spPr>
+          <a:xfrm>
+            <a:off x="11014533" y="758952"/>
+            <a:ext cx="1185379" cy="1651133"/>
+          </a:xfrm>
+          <a:prstGeom prst="rect">
+            <a:avLst/>
+          </a:prstGeom>
+          <a:solidFill>
+            <a:srgbClr val="C8C8C8">
+              <a:alpha val="49803"/>
+            </a:srgbClr>
+          </a:solidFill>
+          <a:ln>
+            <a:noFill/>
+          </a:ln>
+        </p:spPr>
+        <p:txBody>
+          <a:bodyPr spcFirstLastPara="1" wrap="square" lIns="91425" tIns="91425" rIns="91425" bIns="91425" anchor="ctr" anchorCtr="0">
+            <a:noAutofit/>
+          </a:bodyPr>
+          <a:lstStyle/>
+          <a:p>
+            <a:pPr marL="0" lvl="0" indent="0" algn="l" rtl="0">
+              <a:spcBef>
+                <a:spcPts val="0"/>
+              </a:spcBef>
+              <a:spcAft>
+                <a:spcPts val="0"/>
+              </a:spcAft>
+              <a:buNone/>
+            </a:pPr>
+            <a:endParaRPr/>
+          </a:p>
+        </p:txBody>
+      </p:sp>
+      <p:sp>
+        <p:nvSpPr>
+          <p:cNvPr id="106" name="Google Shape;106;p2"/>
+          <p:cNvSpPr/>
+          <p:nvPr/>
+        </p:nvSpPr>
+        <p:spPr>
+          <a:xfrm>
+            <a:off x="763" y="2526526"/>
+            <a:ext cx="1169701" cy="3563378"/>
+          </a:xfrm>
+          <a:prstGeom prst="rect">
+            <a:avLst/>
+          </a:prstGeom>
+          <a:solidFill>
+            <a:srgbClr val="C8C8C8">
+              <a:alpha val="49803"/>
+            </a:srgbClr>
+          </a:solidFill>
+          <a:ln>
+            <a:noFill/>
+          </a:ln>
+        </p:spPr>
+        <p:txBody>
+          <a:bodyPr spcFirstLastPara="1" wrap="square" lIns="91425" tIns="91425" rIns="91425" bIns="91425" anchor="ctr" anchorCtr="0">
+            <a:noAutofit/>
+          </a:bodyPr>
+          <a:lstStyle/>
+          <a:p>
+            <a:pPr marL="0" lvl="0" indent="0" algn="l" rtl="0">
+              <a:spcBef>
+                <a:spcPts val="0"/>
+              </a:spcBef>
+              <a:spcAft>
+                <a:spcPts val="0"/>
+              </a:spcAft>
+              <a:buNone/>
+            </a:pPr>
+            <a:endParaRPr/>
+          </a:p>
+        </p:txBody>
+      </p:sp>
+      <p:sp>
+        <p:nvSpPr>
+          <p:cNvPr id="107" name="Google Shape;107;p2"/>
+          <p:cNvSpPr/>
+          <p:nvPr/>
+        </p:nvSpPr>
+        <p:spPr>
+          <a:xfrm>
+            <a:off x="1279019" y="2526526"/>
+            <a:ext cx="10920893" cy="3563377"/>
+          </a:xfrm>
+          <a:prstGeom prst="rect">
+            <a:avLst/>
+          </a:prstGeom>
+          <a:solidFill>
+            <a:srgbClr val="FCF4DD">
+              <a:alpha val="60000"/>
+            </a:srgbClr>
+          </a:solidFill>
+          <a:ln>
+            <a:noFill/>
+          </a:ln>
+        </p:spPr>
+        <p:txBody>
+          <a:bodyPr spcFirstLastPara="1" wrap="square" lIns="91425" tIns="45700" rIns="91425" bIns="45700" anchor="t" anchorCtr="0">
+            <a:noAutofit/>
+          </a:bodyPr>
+          <a:lstStyle/>
+          <a:p>
+            <a:pPr marL="0" marR="0" lvl="0" indent="0" algn="l" rtl="0">
+              <a:spcBef>
+                <a:spcPts val="0"/>
+              </a:spcBef>
+              <a:spcAft>
+                <a:spcPts val="0"/>
+              </a:spcAft>
+              <a:buNone/>
+            </a:pPr>
+            <a:endParaRPr sz="1800">
+              <a:solidFill>
+                <a:schemeClr val="lt1"/>
+              </a:solidFill>
+              <a:latin typeface="Corbel"/>
+              <a:ea typeface="Corbel"/>
+              <a:cs typeface="Corbel"/>
+              <a:sym typeface="Corbel"/>
+            </a:endParaRPr>
+          </a:p>
+        </p:txBody>
+      </p:sp>
+      <p:sp>
+        <p:nvSpPr>
+          <p:cNvPr id="108" name="Google Shape;108;p2"/>
+          <p:cNvSpPr txBox="1">
+            <a:spLocks noGrp="1"/>
+          </p:cNvSpPr>
+          <p:nvPr>
+            <p:ph type="body" idx="1"/>
+          </p:nvPr>
+        </p:nvSpPr>
+        <p:spPr>
+          <a:xfrm>
+            <a:off x="1600753" y="2535446"/>
+            <a:ext cx="8983489" cy="3554457"/>
+          </a:xfrm>
+          <a:prstGeom prst="rect">
+            <a:avLst/>
+          </a:prstGeom>
+          <a:noFill/>
+          <a:ln>
+            <a:noFill/>
+          </a:ln>
+        </p:spPr>
+        <p:txBody>
+          <a:bodyPr spcFirstLastPara="1" wrap="square" lIns="91425" tIns="45700" rIns="91425" bIns="45700" anchor="ctr" anchorCtr="0">
+            <a:normAutofit/>
+          </a:bodyPr>
+          <a:lstStyle/>
+          <a:p>
+            <a:pPr marL="182880" lvl="0" indent="-55879" algn="l" rtl="0">
+              <a:lnSpc>
+                <a:spcPct val="90000"/>
+              </a:lnSpc>
+              <a:spcBef>
+                <a:spcPts val="0"/>
+              </a:spcBef>
+              <a:spcAft>
+                <a:spcPts val="0"/>
+              </a:spcAft>
+              <a:buSzPts val="2000"/>
+              <a:buNone/>
+            </a:pPr>
+            <a:r>
+              <a:rPr lang="en-US" dirty="0">
+                <a:solidFill>
+                  <a:schemeClr val="dk1"/>
+                </a:solidFill>
+              </a:rPr>
+              <a:t>Aesthetics. My website will incorporate all the shiny flashy stuff that I can reasonably include and in a manner that does not distract the user from the object at hand, which is the glorification of the wonderful Waikato motor polo club.</a:t>
+            </a:r>
+            <a:endParaRPr dirty="0">
+              <a:solidFill>
+                <a:schemeClr val="dk1"/>
+              </a:solidFill>
+            </a:endParaRPr>
+          </a:p>
+        </p:txBody>
+      </p:sp>
+    </p:spTree>
+  </p:cSld>
+  <p:clrMapOvr>
+    <a:masterClrMapping/>
+  </p:clrMapOvr>
+</p:sld>
+</file>
+
+<file path=ppt/slides/slide4.xml><?xml version="1.0" encoding="utf-8"?>
 <p:sld xmlns:a="http://schemas.openxmlformats.org/drawingml/2006/main" xmlns:r="http://schemas.openxmlformats.org/officeDocument/2006/relationships" xmlns:p="http://schemas.openxmlformats.org/presentationml/2006/main">
   <p:cSld>
     <p:bg>
@@ -19656,7 +19891,7 @@
 </p:sld>
 </file>
 
-<file path=ppt/slides/slide4.xml><?xml version="1.0" encoding="utf-8"?>
+<file path=ppt/slides/slide5.xml><?xml version="1.0" encoding="utf-8"?>
 <p:sld xmlns:a="http://schemas.openxmlformats.org/drawingml/2006/main" xmlns:r="http://schemas.openxmlformats.org/officeDocument/2006/relationships" xmlns:p="http://schemas.openxmlformats.org/presentationml/2006/main">
   <p:cSld>
     <p:bg>
@@ -20031,7 +20266,7 @@
 </p:sld>
 </file>
 
-<file path=ppt/slides/slide5.xml><?xml version="1.0" encoding="utf-8"?>
+<file path=ppt/slides/slide6.xml><?xml version="1.0" encoding="utf-8"?>
 <p:sld xmlns:a="http://schemas.openxmlformats.org/drawingml/2006/main" xmlns:r="http://schemas.openxmlformats.org/officeDocument/2006/relationships" xmlns:p="http://schemas.openxmlformats.org/presentationml/2006/main">
   <p:cSld>
     <p:spTree>
@@ -20156,7 +20391,7 @@
 </p:sld>
 </file>
 
-<file path=ppt/slides/slide6.xml><?xml version="1.0" encoding="utf-8"?>
+<file path=ppt/slides/slide7.xml><?xml version="1.0" encoding="utf-8"?>
 <p:sld xmlns:a="http://schemas.openxmlformats.org/drawingml/2006/main" xmlns:r="http://schemas.openxmlformats.org/officeDocument/2006/relationships" xmlns:p="http://schemas.openxmlformats.org/presentationml/2006/main">
   <p:cSld>
     <p:spTree>
@@ -20331,7 +20566,7 @@
 </p:sld>
 </file>
 
-<file path=ppt/slides/slide7.xml><?xml version="1.0" encoding="utf-8"?>
+<file path=ppt/slides/slide8.xml><?xml version="1.0" encoding="utf-8"?>
 <p:sld xmlns:a="http://schemas.openxmlformats.org/drawingml/2006/main" xmlns:r="http://schemas.openxmlformats.org/officeDocument/2006/relationships" xmlns:p="http://schemas.openxmlformats.org/presentationml/2006/main">
   <p:cSld>
     <p:spTree>
@@ -20456,7 +20691,7 @@
 </p:sld>
 </file>
 
-<file path=ppt/slides/slide8.xml><?xml version="1.0" encoding="utf-8"?>
+<file path=ppt/slides/slide9.xml><?xml version="1.0" encoding="utf-8"?>
 <p:sld xmlns:a="http://schemas.openxmlformats.org/drawingml/2006/main" xmlns:r="http://schemas.openxmlformats.org/officeDocument/2006/relationships" xmlns:p="http://schemas.openxmlformats.org/presentationml/2006/main">
   <p:cSld>
     <p:spTree>
@@ -20692,111 +20927,6 @@
             <a:r>
               <a:rPr lang="en-NZ" sz="3600"/>
               <a:t>Image slider on the home page showing recent photographs</a:t>
-            </a:r>
-            <a:endParaRPr/>
-          </a:p>
-        </p:txBody>
-      </p:sp>
-    </p:spTree>
-  </p:cSld>
-  <p:clrMapOvr>
-    <a:masterClrMapping/>
-  </p:clrMapOvr>
-</p:sld>
-</file>
-
-<file path=ppt/slides/slide9.xml><?xml version="1.0" encoding="utf-8"?>
-<p:sld xmlns:a="http://schemas.openxmlformats.org/drawingml/2006/main" xmlns:r="http://schemas.openxmlformats.org/officeDocument/2006/relationships" xmlns:p="http://schemas.openxmlformats.org/presentationml/2006/main">
-  <p:cSld>
-    <p:spTree>
-      <p:nvGrpSpPr>
-        <p:cNvPr id="1" name="Shape 162"/>
-        <p:cNvGrpSpPr/>
-        <p:nvPr/>
-      </p:nvGrpSpPr>
-      <p:grpSpPr>
-        <a:xfrm>
-          <a:off x="0" y="0"/>
-          <a:ext cx="0" cy="0"/>
-          <a:chOff x="0" y="0"/>
-          <a:chExt cx="0" cy="0"/>
-        </a:xfrm>
-      </p:grpSpPr>
-      <p:sp>
-        <p:nvSpPr>
-          <p:cNvPr id="163" name="Google Shape;163;g76d2aa36c9_0_0"/>
-          <p:cNvSpPr txBox="1">
-            <a:spLocks noGrp="1"/>
-          </p:cNvSpPr>
-          <p:nvPr>
-            <p:ph type="title"/>
-          </p:nvPr>
-        </p:nvSpPr>
-        <p:spPr>
-          <a:xfrm>
-            <a:off x="252919" y="1123837"/>
-            <a:ext cx="2947500" cy="4601100"/>
-          </a:xfrm>
-          <a:prstGeom prst="rect">
-            <a:avLst/>
-          </a:prstGeom>
-        </p:spPr>
-        <p:txBody>
-          <a:bodyPr spcFirstLastPara="1" wrap="square" lIns="91425" tIns="45700" rIns="91425" bIns="45700" anchor="ctr" anchorCtr="0">
-            <a:noAutofit/>
-          </a:bodyPr>
-          <a:lstStyle/>
-          <a:p>
-            <a:pPr marL="0" lvl="0" indent="0" algn="l" rtl="0">
-              <a:spcBef>
-                <a:spcPts val="0"/>
-              </a:spcBef>
-              <a:spcAft>
-                <a:spcPts val="0"/>
-              </a:spcAft>
-              <a:buNone/>
-            </a:pPr>
-            <a:endParaRPr/>
-          </a:p>
-        </p:txBody>
-      </p:sp>
-      <p:sp>
-        <p:nvSpPr>
-          <p:cNvPr id="164" name="Google Shape;164;g76d2aa36c9_0_0"/>
-          <p:cNvSpPr txBox="1">
-            <a:spLocks noGrp="1"/>
-          </p:cNvSpPr>
-          <p:nvPr>
-            <p:ph type="body" idx="1"/>
-          </p:nvPr>
-        </p:nvSpPr>
-        <p:spPr>
-          <a:xfrm>
-            <a:off x="3869268" y="864108"/>
-            <a:ext cx="7315200" cy="5120700"/>
-          </a:xfrm>
-          <a:prstGeom prst="rect">
-            <a:avLst/>
-          </a:prstGeom>
-        </p:spPr>
-        <p:txBody>
-          <a:bodyPr spcFirstLastPara="1" wrap="square" lIns="91425" tIns="45700" rIns="91425" bIns="45700" anchor="ctr" anchorCtr="0">
-            <a:noAutofit/>
-          </a:bodyPr>
-          <a:lstStyle/>
-          <a:p>
-            <a:pPr marL="0" lvl="0" indent="0" algn="l" rtl="0">
-              <a:spcBef>
-                <a:spcPts val="1200"/>
-              </a:spcBef>
-              <a:spcAft>
-                <a:spcPts val="0"/>
-              </a:spcAft>
-              <a:buNone/>
-            </a:pPr>
-            <a:r>
-              <a:rPr lang="en-NZ"/>
-              <a:t>The site will have lots of whitespace to be modern. This will ensure that the </a:t>
             </a:r>
             <a:endParaRPr/>
           </a:p>
